--- a/lesson08.pptx
+++ b/lesson08.pptx
@@ -181,6 +181,14 @@
     </p:extLst>
   </p:cmAuthor>
 </p:cmAuthorLst>
+</file>
+
+<file path=ppt/revisionInfo.xml><?xml version="1.0" encoding="utf-8"?>
+<p1510:revInfo xmlns:a="http://schemas.openxmlformats.org/drawingml/2006/main" xmlns:r="http://schemas.openxmlformats.org/officeDocument/2006/relationships" xmlns:p1510="http://schemas.microsoft.com/office/powerpoint/2015/10/main">
+  <p1510:revLst>
+    <p1510:client id="{BFB06393-D9F3-46B7-B0A7-74B547B03041}" v="5" dt="2022-06-27T15:50:28.129"/>
+  </p1510:revLst>
+</p1510:revInfo>
 </file>
 
 <file path=ppt/changesInfos/changesInfo1.xml><?xml version="1.0" encoding="utf-8"?>
@@ -590,6 +598,121 @@
       </pc:sldChg>
     </pc:docChg>
   </pc:docChgLst>
+  <pc:docChgLst>
+    <pc:chgData name="Anatoliy Kigel" userId="7432c6c4687b0a9c" providerId="LiveId" clId="{BFB06393-D9F3-46B7-B0A7-74B547B03041}"/>
+    <pc:docChg chg="custSel modSld">
+      <pc:chgData name="Anatoliy Kigel" userId="7432c6c4687b0a9c" providerId="LiveId" clId="{BFB06393-D9F3-46B7-B0A7-74B547B03041}" dt="2022-06-27T15:50:33.154" v="10" actId="478"/>
+      <pc:docMkLst>
+        <pc:docMk/>
+      </pc:docMkLst>
+      <pc:sldChg chg="delSp mod">
+        <pc:chgData name="Anatoliy Kigel" userId="7432c6c4687b0a9c" providerId="LiveId" clId="{BFB06393-D9F3-46B7-B0A7-74B547B03041}" dt="2022-06-27T15:50:15.170" v="0" actId="478"/>
+        <pc:sldMkLst>
+          <pc:docMk/>
+          <pc:sldMk cId="2282934457" sldId="331"/>
+        </pc:sldMkLst>
+        <pc:spChg chg="del">
+          <ac:chgData name="Anatoliy Kigel" userId="7432c6c4687b0a9c" providerId="LiveId" clId="{BFB06393-D9F3-46B7-B0A7-74B547B03041}" dt="2022-06-27T15:50:15.170" v="0" actId="478"/>
+          <ac:spMkLst>
+            <pc:docMk/>
+            <pc:sldMk cId="2282934457" sldId="331"/>
+            <ac:spMk id="7" creationId="{00000000-0000-0000-0000-000000000000}"/>
+          </ac:spMkLst>
+        </pc:spChg>
+      </pc:sldChg>
+      <pc:sldChg chg="delSp mod">
+        <pc:chgData name="Anatoliy Kigel" userId="7432c6c4687b0a9c" providerId="LiveId" clId="{BFB06393-D9F3-46B7-B0A7-74B547B03041}" dt="2022-06-27T15:50:17.508" v="1" actId="478"/>
+        <pc:sldMkLst>
+          <pc:docMk/>
+          <pc:sldMk cId="1023181945" sldId="332"/>
+        </pc:sldMkLst>
+        <pc:spChg chg="del">
+          <ac:chgData name="Anatoliy Kigel" userId="7432c6c4687b0a9c" providerId="LiveId" clId="{BFB06393-D9F3-46B7-B0A7-74B547B03041}" dt="2022-06-27T15:50:17.508" v="1" actId="478"/>
+          <ac:spMkLst>
+            <pc:docMk/>
+            <pc:sldMk cId="1023181945" sldId="332"/>
+            <ac:spMk id="7" creationId="{00000000-0000-0000-0000-000000000000}"/>
+          </ac:spMkLst>
+        </pc:spChg>
+      </pc:sldChg>
+      <pc:sldChg chg="delSp mod">
+        <pc:chgData name="Anatoliy Kigel" userId="7432c6c4687b0a9c" providerId="LiveId" clId="{BFB06393-D9F3-46B7-B0A7-74B547B03041}" dt="2022-06-27T15:50:20.150" v="2" actId="478"/>
+        <pc:sldMkLst>
+          <pc:docMk/>
+          <pc:sldMk cId="1815854048" sldId="337"/>
+        </pc:sldMkLst>
+        <pc:spChg chg="del">
+          <ac:chgData name="Anatoliy Kigel" userId="7432c6c4687b0a9c" providerId="LiveId" clId="{BFB06393-D9F3-46B7-B0A7-74B547B03041}" dt="2022-06-27T15:50:20.150" v="2" actId="478"/>
+          <ac:spMkLst>
+            <pc:docMk/>
+            <pc:sldMk cId="1815854048" sldId="337"/>
+            <ac:spMk id="9" creationId="{01CCF3FD-C2F6-4F9C-B81A-4E9C162BD895}"/>
+          </ac:spMkLst>
+        </pc:spChg>
+      </pc:sldChg>
+      <pc:sldChg chg="delSp modSp mod">
+        <pc:chgData name="Anatoliy Kigel" userId="7432c6c4687b0a9c" providerId="LiveId" clId="{BFB06393-D9F3-46B7-B0A7-74B547B03041}" dt="2022-06-27T15:50:28.129" v="8" actId="1035"/>
+        <pc:sldMkLst>
+          <pc:docMk/>
+          <pc:sldMk cId="1878899344" sldId="351"/>
+        </pc:sldMkLst>
+        <pc:spChg chg="del">
+          <ac:chgData name="Anatoliy Kigel" userId="7432c6c4687b0a9c" providerId="LiveId" clId="{BFB06393-D9F3-46B7-B0A7-74B547B03041}" dt="2022-06-27T15:50:23.988" v="3" actId="478"/>
+          <ac:spMkLst>
+            <pc:docMk/>
+            <pc:sldMk cId="1878899344" sldId="351"/>
+            <ac:spMk id="4" creationId="{00000000-0000-0000-0000-000000000000}"/>
+          </ac:spMkLst>
+        </pc:spChg>
+        <pc:spChg chg="mod">
+          <ac:chgData name="Anatoliy Kigel" userId="7432c6c4687b0a9c" providerId="LiveId" clId="{BFB06393-D9F3-46B7-B0A7-74B547B03041}" dt="2022-06-27T15:50:28.129" v="8" actId="1035"/>
+          <ac:spMkLst>
+            <pc:docMk/>
+            <pc:sldMk cId="1878899344" sldId="351"/>
+            <ac:spMk id="5" creationId="{00000000-0000-0000-0000-000000000000}"/>
+          </ac:spMkLst>
+        </pc:spChg>
+        <pc:picChg chg="mod">
+          <ac:chgData name="Anatoliy Kigel" userId="7432c6c4687b0a9c" providerId="LiveId" clId="{BFB06393-D9F3-46B7-B0A7-74B547B03041}" dt="2022-06-27T15:50:28.129" v="8" actId="1035"/>
+          <ac:picMkLst>
+            <pc:docMk/>
+            <pc:sldMk cId="1878899344" sldId="351"/>
+            <ac:picMk id="1034" creationId="{00000000-0000-0000-0000-000000000000}"/>
+          </ac:picMkLst>
+        </pc:picChg>
+      </pc:sldChg>
+      <pc:sldChg chg="delSp mod">
+        <pc:chgData name="Anatoliy Kigel" userId="7432c6c4687b0a9c" providerId="LiveId" clId="{BFB06393-D9F3-46B7-B0A7-74B547B03041}" dt="2022-06-27T15:50:33.154" v="10" actId="478"/>
+        <pc:sldMkLst>
+          <pc:docMk/>
+          <pc:sldMk cId="3272678257" sldId="352"/>
+        </pc:sldMkLst>
+        <pc:spChg chg="del">
+          <ac:chgData name="Anatoliy Kigel" userId="7432c6c4687b0a9c" providerId="LiveId" clId="{BFB06393-D9F3-46B7-B0A7-74B547B03041}" dt="2022-06-27T15:50:33.154" v="10" actId="478"/>
+          <ac:spMkLst>
+            <pc:docMk/>
+            <pc:sldMk cId="3272678257" sldId="352"/>
+            <ac:spMk id="4" creationId="{00000000-0000-0000-0000-000000000000}"/>
+          </ac:spMkLst>
+        </pc:spChg>
+      </pc:sldChg>
+      <pc:sldChg chg="delSp mod">
+        <pc:chgData name="Anatoliy Kigel" userId="7432c6c4687b0a9c" providerId="LiveId" clId="{BFB06393-D9F3-46B7-B0A7-74B547B03041}" dt="2022-06-27T15:50:30.942" v="9" actId="478"/>
+        <pc:sldMkLst>
+          <pc:docMk/>
+          <pc:sldMk cId="1138088765" sldId="353"/>
+        </pc:sldMkLst>
+        <pc:spChg chg="del">
+          <ac:chgData name="Anatoliy Kigel" userId="7432c6c4687b0a9c" providerId="LiveId" clId="{BFB06393-D9F3-46B7-B0A7-74B547B03041}" dt="2022-06-27T15:50:30.942" v="9" actId="478"/>
+          <ac:spMkLst>
+            <pc:docMk/>
+            <pc:sldMk cId="1138088765" sldId="353"/>
+            <ac:spMk id="4" creationId="{00000000-0000-0000-0000-000000000000}"/>
+          </ac:spMkLst>
+        </pc:spChg>
+      </pc:sldChg>
+    </pc:docChg>
+  </pc:docChgLst>
 </pc:chgInfo>
 </file>
 
@@ -676,7 +799,7 @@
             <a:fld id="{85522811-C5C6-42D2-A409-F8556720C93F}" type="datetimeFigureOut">
               <a:rPr lang="uk-UA" smtClean="0"/>
               <a:pPr/>
-              <a:t>16.02.2022</a:t>
+              <a:t>27.06.2022</a:t>
             </a:fld>
             <a:endParaRPr lang="uk-UA"/>
           </a:p>
@@ -1221,7 +1344,7 @@
             <a:fld id="{E6FC6B0D-6115-4D7C-8040-9C8E2349BB6E}" type="datetime1">
               <a:rPr lang="uk-UA" smtClean="0"/>
               <a:pPr/>
-              <a:t>16.02.2022</a:t>
+              <a:t>27.06.2022</a:t>
             </a:fld>
             <a:endParaRPr lang="uk-UA"/>
           </a:p>
@@ -1388,7 +1511,7 @@
             <a:fld id="{996367BA-0A39-4DE2-BFC3-D5290044365E}" type="datetime1">
               <a:rPr lang="uk-UA" smtClean="0"/>
               <a:pPr/>
-              <a:t>16.02.2022</a:t>
+              <a:t>27.06.2022</a:t>
             </a:fld>
             <a:endParaRPr lang="uk-UA"/>
           </a:p>
@@ -1565,7 +1688,7 @@
             <a:fld id="{1BD6A67F-6C29-47DC-AF8A-FDB3C787DF70}" type="datetime1">
               <a:rPr lang="uk-UA" smtClean="0"/>
               <a:pPr/>
-              <a:t>16.02.2022</a:t>
+              <a:t>27.06.2022</a:t>
             </a:fld>
             <a:endParaRPr lang="uk-UA"/>
           </a:p>
@@ -1732,7 +1855,7 @@
             <a:fld id="{1657D9C5-7FF1-434F-B56E-9BAD559744E9}" type="datetime1">
               <a:rPr lang="uk-UA" smtClean="0"/>
               <a:pPr/>
-              <a:t>16.02.2022</a:t>
+              <a:t>27.06.2022</a:t>
             </a:fld>
             <a:endParaRPr lang="uk-UA"/>
           </a:p>
@@ -1975,7 +2098,7 @@
             <a:fld id="{2CEB0FC9-DE63-476B-A1A9-BE934D9049F8}" type="datetime1">
               <a:rPr lang="uk-UA" smtClean="0"/>
               <a:pPr/>
-              <a:t>16.02.2022</a:t>
+              <a:t>27.06.2022</a:t>
             </a:fld>
             <a:endParaRPr lang="uk-UA"/>
           </a:p>
@@ -2260,7 +2383,7 @@
             <a:fld id="{F964460F-86E2-4DF6-9D0F-12F5005CF375}" type="datetime1">
               <a:rPr lang="uk-UA" smtClean="0"/>
               <a:pPr/>
-              <a:t>16.02.2022</a:t>
+              <a:t>27.06.2022</a:t>
             </a:fld>
             <a:endParaRPr lang="uk-UA"/>
           </a:p>
@@ -2679,7 +2802,7 @@
             <a:fld id="{C521715E-DDCD-4267-B0A5-2918B6F6768A}" type="datetime1">
               <a:rPr lang="uk-UA" smtClean="0"/>
               <a:pPr/>
-              <a:t>16.02.2022</a:t>
+              <a:t>27.06.2022</a:t>
             </a:fld>
             <a:endParaRPr lang="uk-UA"/>
           </a:p>
@@ -2794,7 +2917,7 @@
             <a:fld id="{9289842C-EB2D-4EBB-A272-2F6A49D9794D}" type="datetime1">
               <a:rPr lang="uk-UA" smtClean="0"/>
               <a:pPr/>
-              <a:t>16.02.2022</a:t>
+              <a:t>27.06.2022</a:t>
             </a:fld>
             <a:endParaRPr lang="uk-UA"/>
           </a:p>
@@ -2886,7 +3009,7 @@
             <a:fld id="{D036F091-B700-4B52-99AC-85D0FD94D904}" type="datetime1">
               <a:rPr lang="uk-UA" smtClean="0"/>
               <a:pPr/>
-              <a:t>16.02.2022</a:t>
+              <a:t>27.06.2022</a:t>
             </a:fld>
             <a:endParaRPr lang="uk-UA"/>
           </a:p>
@@ -3160,7 +3283,7 @@
             <a:fld id="{B35DFABA-3811-4634-B803-2EAC4CD0063B}" type="datetime1">
               <a:rPr lang="uk-UA" smtClean="0"/>
               <a:pPr/>
-              <a:t>16.02.2022</a:t>
+              <a:t>27.06.2022</a:t>
             </a:fld>
             <a:endParaRPr lang="uk-UA"/>
           </a:p>
@@ -3410,7 +3533,7 @@
             <a:fld id="{8A9EA25E-F88E-463A-A119-D1E55A881002}" type="datetime1">
               <a:rPr lang="uk-UA" smtClean="0"/>
               <a:pPr/>
-              <a:t>16.02.2022</a:t>
+              <a:t>27.06.2022</a:t>
             </a:fld>
             <a:endParaRPr lang="uk-UA"/>
           </a:p>
@@ -3620,7 +3743,7 @@
             <a:fld id="{E708ED03-0080-49A2-B709-7DA4ACB3A1C3}" type="datetime1">
               <a:rPr lang="uk-UA" smtClean="0"/>
               <a:pPr/>
-              <a:t>16.02.2022</a:t>
+              <a:t>27.06.2022</a:t>
             </a:fld>
             <a:endParaRPr lang="uk-UA"/>
           </a:p>
@@ -4552,44 +4675,6 @@
           </a:p>
         </p:txBody>
       </p:sp>
-      <p:sp>
-        <p:nvSpPr>
-          <p:cNvPr id="9" name="TextBox 8">
-            <a:extLst>
-              <a:ext uri="{FF2B5EF4-FFF2-40B4-BE49-F238E27FC236}">
-                <a16:creationId xmlns:a16="http://schemas.microsoft.com/office/drawing/2014/main" id="{01CCF3FD-C2F6-4F9C-B81A-4E9C162BD895}"/>
-              </a:ext>
-            </a:extLst>
-          </p:cNvPr>
-          <p:cNvSpPr txBox="1"/>
-          <p:nvPr/>
-        </p:nvSpPr>
-        <p:spPr>
-          <a:xfrm>
-            <a:off x="8503341" y="4501171"/>
-            <a:ext cx="6094520" cy="369332"/>
-          </a:xfrm>
-          <a:prstGeom prst="rect">
-            <a:avLst/>
-          </a:prstGeom>
-          <a:noFill/>
-        </p:spPr>
-        <p:txBody>
-          <a:bodyPr wrap="square">
-            <a:spAutoFit/>
-          </a:bodyPr>
-          <a:lstStyle/>
-          <a:p>
-            <a:r>
-              <a:rPr lang="uk-UA" b="1" dirty="0">
-                <a:hlinkClick r:id="rId4"/>
-              </a:rPr>
-              <a:t>https://webref.ru/css/transition</a:t>
-            </a:r>
-            <a:endParaRPr lang="uk-UA" b="1" dirty="0"/>
-          </a:p>
-        </p:txBody>
-      </p:sp>
     </p:spTree>
     <p:extLst>
       <p:ext uri="{BB962C8B-B14F-4D97-AF65-F5344CB8AC3E}">
@@ -4814,44 +4899,13 @@
       </p:sp>
       <p:sp>
         <p:nvSpPr>
-          <p:cNvPr id="4" name="Прямоугольник 3"/>
-          <p:cNvSpPr/>
-          <p:nvPr/>
-        </p:nvSpPr>
-        <p:spPr>
-          <a:xfrm>
-            <a:off x="3989524" y="6021288"/>
-            <a:ext cx="4338432" cy="461665"/>
-          </a:xfrm>
-          <a:prstGeom prst="rect">
-            <a:avLst/>
-          </a:prstGeom>
-        </p:spPr>
-        <p:txBody>
-          <a:bodyPr wrap="none">
-            <a:spAutoFit/>
-          </a:bodyPr>
-          <a:lstStyle/>
-          <a:p>
-            <a:r>
-              <a:rPr lang="en-US" sz="2400" b="1" dirty="0">
-                <a:hlinkClick r:id="rId2"/>
-              </a:rPr>
-              <a:t>https://webref.ru/css/transform</a:t>
-            </a:r>
-            <a:endParaRPr lang="uk-UA" sz="2400" b="1" dirty="0"/>
-          </a:p>
-        </p:txBody>
-      </p:sp>
-      <p:sp>
-        <p:nvSpPr>
           <p:cNvPr id="5" name="TextBox 4"/>
           <p:cNvSpPr txBox="1"/>
           <p:nvPr/>
         </p:nvSpPr>
         <p:spPr>
           <a:xfrm>
-            <a:off x="-1" y="5354052"/>
+            <a:off x="-1" y="5426060"/>
             <a:ext cx="12191999" cy="523220"/>
           </a:xfrm>
           <a:prstGeom prst="rect">
@@ -4891,7 +4945,7 @@
           <p:nvPr/>
         </p:nvPicPr>
         <p:blipFill>
-          <a:blip r:embed="rId3">
+          <a:blip r:embed="rId2">
             <a:extLst>
               <a:ext uri="{28A0092B-C50C-407E-A947-70E740481C1C}">
                 <a14:useLocalDpi xmlns:a14="http://schemas.microsoft.com/office/drawing/2010/main" val="0"/>
@@ -4905,7 +4959,7 @@
         </p:blipFill>
         <p:spPr bwMode="auto">
           <a:xfrm>
-            <a:off x="3989524" y="1052736"/>
+            <a:off x="3989524" y="1124744"/>
             <a:ext cx="3761656" cy="3761657"/>
           </a:xfrm>
           <a:prstGeom prst="rect">
@@ -5065,37 +5119,6 @@
       </p:sp>
       <p:sp>
         <p:nvSpPr>
-          <p:cNvPr id="4" name="Прямоугольник 3"/>
-          <p:cNvSpPr/>
-          <p:nvPr/>
-        </p:nvSpPr>
-        <p:spPr>
-          <a:xfrm>
-            <a:off x="3989524" y="6021288"/>
-            <a:ext cx="3689793" cy="461665"/>
-          </a:xfrm>
-          <a:prstGeom prst="rect">
-            <a:avLst/>
-          </a:prstGeom>
-        </p:spPr>
-        <p:txBody>
-          <a:bodyPr wrap="none">
-            <a:spAutoFit/>
-          </a:bodyPr>
-          <a:lstStyle/>
-          <a:p>
-            <a:r>
-              <a:rPr lang="en-US" sz="2400" b="1" dirty="0">
-                <a:hlinkClick r:id="rId2"/>
-              </a:rPr>
-              <a:t>https://webref.ru/css/filter</a:t>
-            </a:r>
-            <a:endParaRPr lang="uk-UA" sz="2400" b="1" dirty="0"/>
-          </a:p>
-        </p:txBody>
-      </p:sp>
-      <p:sp>
-        <p:nvSpPr>
           <p:cNvPr id="5" name="TextBox 4"/>
           <p:cNvSpPr txBox="1"/>
           <p:nvPr/>
@@ -5146,7 +5169,7 @@
           <p:nvPr/>
         </p:nvPicPr>
         <p:blipFill>
-          <a:blip r:embed="rId3">
+          <a:blip r:embed="rId2">
             <a:extLst>
               <a:ext uri="{28A0092B-C50C-407E-A947-70E740481C1C}">
                 <a14:useLocalDpi xmlns:a14="http://schemas.microsoft.com/office/drawing/2010/main" val="0"/>
@@ -5311,37 +5334,6 @@
       </p:sp>
       <p:sp>
         <p:nvSpPr>
-          <p:cNvPr id="4" name="Прямоугольник 3"/>
-          <p:cNvSpPr/>
-          <p:nvPr/>
-        </p:nvSpPr>
-        <p:spPr>
-          <a:xfrm>
-            <a:off x="3989524" y="6021288"/>
-            <a:ext cx="4115166" cy="461665"/>
-          </a:xfrm>
-          <a:prstGeom prst="rect">
-            <a:avLst/>
-          </a:prstGeom>
-        </p:spPr>
-        <p:txBody>
-          <a:bodyPr wrap="none">
-            <a:spAutoFit/>
-          </a:bodyPr>
-          <a:lstStyle/>
-          <a:p>
-            <a:r>
-              <a:rPr lang="en-US" sz="2400" b="1" dirty="0">
-                <a:hlinkClick r:id="rId2"/>
-              </a:rPr>
-              <a:t>https://webref.ru/css/position</a:t>
-            </a:r>
-            <a:endParaRPr lang="uk-UA" sz="2400" b="1" dirty="0"/>
-          </a:p>
-        </p:txBody>
-      </p:sp>
-      <p:sp>
-        <p:nvSpPr>
           <p:cNvPr id="5" name="TextBox 4"/>
           <p:cNvSpPr txBox="1"/>
           <p:nvPr/>
@@ -5388,7 +5380,7 @@
           <p:nvPr/>
         </p:nvPicPr>
         <p:blipFill>
-          <a:blip r:embed="rId3">
+          <a:blip r:embed="rId2">
             <a:extLst>
               <a:ext uri="{28A0092B-C50C-407E-A947-70E740481C1C}">
                 <a14:useLocalDpi xmlns:a14="http://schemas.microsoft.com/office/drawing/2010/main" val="0"/>
@@ -7352,37 +7344,6 @@
       </p:sp>
       <p:sp>
         <p:nvSpPr>
-          <p:cNvPr id="7" name="Прямоугольник 6"/>
-          <p:cNvSpPr/>
-          <p:nvPr/>
-        </p:nvSpPr>
-        <p:spPr>
-          <a:xfrm>
-            <a:off x="7326543" y="5487615"/>
-            <a:ext cx="3810017" cy="461665"/>
-          </a:xfrm>
-          <a:prstGeom prst="rect">
-            <a:avLst/>
-          </a:prstGeom>
-        </p:spPr>
-        <p:txBody>
-          <a:bodyPr wrap="none">
-            <a:spAutoFit/>
-          </a:bodyPr>
-          <a:lstStyle/>
-          <a:p>
-            <a:r>
-              <a:rPr lang="en-US" sz="2400" b="1" dirty="0">
-                <a:hlinkClick r:id="rId2"/>
-              </a:rPr>
-              <a:t>https://webref.ru/css/hover</a:t>
-            </a:r>
-            <a:endParaRPr lang="ru-RU" sz="2400" b="1" dirty="0"/>
-          </a:p>
-        </p:txBody>
-      </p:sp>
-      <p:sp>
-        <p:nvSpPr>
           <p:cNvPr id="10" name="TextBox 9"/>
           <p:cNvSpPr txBox="1"/>
           <p:nvPr/>
@@ -7501,7 +7462,7 @@
           <p:nvPr/>
         </p:nvPicPr>
         <p:blipFill>
-          <a:blip r:embed="rId3"/>
+          <a:blip r:embed="rId2"/>
           <a:stretch>
             <a:fillRect/>
           </a:stretch>
@@ -7628,37 +7589,6 @@
       </p:sp>
       <p:sp>
         <p:nvSpPr>
-          <p:cNvPr id="7" name="Прямоугольник 6"/>
-          <p:cNvSpPr/>
-          <p:nvPr/>
-        </p:nvSpPr>
-        <p:spPr>
-          <a:xfrm>
-            <a:off x="7530135" y="4551511"/>
-            <a:ext cx="3827458" cy="461665"/>
-          </a:xfrm>
-          <a:prstGeom prst="rect">
-            <a:avLst/>
-          </a:prstGeom>
-        </p:spPr>
-        <p:txBody>
-          <a:bodyPr wrap="none">
-            <a:spAutoFit/>
-          </a:bodyPr>
-          <a:lstStyle/>
-          <a:p>
-            <a:r>
-              <a:rPr lang="en-US" sz="2400" b="1" dirty="0">
-                <a:hlinkClick r:id="rId2"/>
-              </a:rPr>
-              <a:t>https://webref.ru/css/active</a:t>
-            </a:r>
-            <a:endParaRPr lang="ru-RU" sz="2400" b="1" dirty="0"/>
-          </a:p>
-        </p:txBody>
-      </p:sp>
-      <p:sp>
-        <p:nvSpPr>
           <p:cNvPr id="10" name="TextBox 9"/>
           <p:cNvSpPr txBox="1"/>
           <p:nvPr/>
@@ -7721,7 +7651,7 @@
           <p:nvPr/>
         </p:nvPicPr>
         <p:blipFill>
-          <a:blip r:embed="rId3"/>
+          <a:blip r:embed="rId2"/>
           <a:stretch>
             <a:fillRect/>
           </a:stretch>
